--- a/MOD14_GUI/01 Presentacion/INFO2_MOD14-GUI.pptx
+++ b/MOD14_GUI/01 Presentacion/INFO2_MOD14-GUI.pptx
@@ -3733,7 +3733,7 @@
           <a:graphicData uri="http://schemas.openxmlformats.org/presentationml/2006/ole">
             <mc:AlternateContent xmlns:mc="http://schemas.openxmlformats.org/markup-compatibility/2006">
               <mc:Choice xmlns:v="urn:schemas-microsoft-com:vml" Requires="v">
-                <p:oleObj spid="_x0000_s18444" name="Bitmap Image" r:id="rId3" imgW="3352381" imgH="2723810" progId="Paint.Picture">
+                <p:oleObj spid="_x0000_s18445" name="Bitmap Image" r:id="rId3" imgW="3352381" imgH="2723810" progId="Paint.Picture">
                   <p:embed/>
                 </p:oleObj>
               </mc:Choice>
@@ -4465,7 +4465,7 @@
           <a:graphicData uri="http://schemas.openxmlformats.org/presentationml/2006/ole">
             <mc:AlternateContent xmlns:mc="http://schemas.openxmlformats.org/markup-compatibility/2006">
               <mc:Choice xmlns:v="urn:schemas-microsoft-com:vml" Requires="v">
-                <p:oleObj spid="_x0000_s20492" name="Bitmap Image" r:id="rId3" imgW="3352381" imgH="2723810" progId="Paint.Picture">
+                <p:oleObj spid="_x0000_s20493" name="Bitmap Image" r:id="rId3" imgW="3352381" imgH="2723810" progId="Paint.Picture">
                   <p:embed/>
                 </p:oleObj>
               </mc:Choice>
@@ -5827,7 +5827,7 @@
           <a:graphicData uri="http://schemas.openxmlformats.org/presentationml/2006/ole">
             <mc:AlternateContent xmlns:mc="http://schemas.openxmlformats.org/markup-compatibility/2006">
               <mc:Choice xmlns:v="urn:schemas-microsoft-com:vml" Requires="v">
-                <p:oleObj spid="_x0000_s25611" name="Bitmap Image" r:id="rId3" imgW="638264" imgH="276117" progId="Paint.Picture">
+                <p:oleObj spid="_x0000_s25612" name="Bitmap Image" r:id="rId3" imgW="638264" imgH="276117" progId="Paint.Picture">
                   <p:embed/>
                 </p:oleObj>
               </mc:Choice>
